--- a/meetingPPT/065_Joy_SystemDesignInterview_Youtube.pptx
+++ b/meetingPPT/065_Joy_SystemDesignInterview_Youtube.pptx
@@ -3667,8 +3667,8 @@
               <a:t>Streaming </a:t>
             </a:r>
             <a:r>
-              <a:rPr lang="en-US" sz="2000" dirty="0" err="1" smtClean="0"/>
-              <a:t>rotocol</a:t>
+              <a:rPr lang="en-US" sz="2000" dirty="0" smtClean="0"/>
+              <a:t>protocol</a:t>
             </a:r>
             <a:r>
               <a:rPr lang="en-US" sz="2000" dirty="0"/>
